--- a/RefactoringToPatterns_CodePassion2012/ppt/RefactoringToPatterns.pptx
+++ b/RefactoringToPatterns_CodePassion2012/ppt/RefactoringToPatterns.pptx
@@ -5,15 +5,14 @@
     <p:sldMasterId id="2147483660" r:id="rId1"/>
   </p:sldMasterIdLst>
   <p:notesMasterIdLst>
-    <p:notesMasterId r:id="rId8"/>
+    <p:notesMasterId r:id="rId7"/>
   </p:notesMasterIdLst>
   <p:sldIdLst>
     <p:sldId id="256" r:id="rId2"/>
     <p:sldId id="257" r:id="rId3"/>
     <p:sldId id="260" r:id="rId4"/>
     <p:sldId id="258" r:id="rId5"/>
-    <p:sldId id="261" r:id="rId6"/>
-    <p:sldId id="259" r:id="rId7"/>
+    <p:sldId id="259" r:id="rId6"/>
   </p:sldIdLst>
   <p:sldSz cx="9144000" cy="6858000" type="screen4x3"/>
   <p:notesSz cx="6858000" cy="9144000"/>
@@ -197,7 +196,7 @@
           <a:p>
             <a:fld id="{8DF141C1-F01A-463A-BCB7-614AD75CD776}" type="datetimeFigureOut">
               <a:rPr lang="es-PE" smtClean="0"/>
-              <a:t>04/06/2012</a:t>
+              <a:t>01/11/2012</a:t>
             </a:fld>
             <a:endParaRPr lang="es-PE"/>
           </a:p>
@@ -549,90 +548,6 @@
 </p:notes>
 </file>
 
-<file path=ppt/notesSlides/notesSlide2.xml><?xml version="1.0" encoding="utf-8"?>
-<p:notes xmlns:a="http://schemas.openxmlformats.org/drawingml/2006/main" xmlns:r="http://schemas.openxmlformats.org/officeDocument/2006/relationships" xmlns:p="http://schemas.openxmlformats.org/presentationml/2006/main">
-  <p:cSld>
-    <p:spTree>
-      <p:nvGrpSpPr>
-        <p:cNvPr id="1" name=""/>
-        <p:cNvGrpSpPr/>
-        <p:nvPr/>
-      </p:nvGrpSpPr>
-      <p:grpSpPr>
-        <a:xfrm>
-          <a:off x="0" y="0"/>
-          <a:ext cx="0" cy="0"/>
-          <a:chOff x="0" y="0"/>
-          <a:chExt cx="0" cy="0"/>
-        </a:xfrm>
-      </p:grpSpPr>
-      <p:sp>
-        <p:nvSpPr>
-          <p:cNvPr id="2" name="1 Marcador de imagen de diapositiva"/>
-          <p:cNvSpPr>
-            <a:spLocks noGrp="1" noRot="1" noChangeAspect="1"/>
-          </p:cNvSpPr>
-          <p:nvPr>
-            <p:ph type="sldImg"/>
-          </p:nvPr>
-        </p:nvSpPr>
-        <p:spPr/>
-      </p:sp>
-      <p:sp>
-        <p:nvSpPr>
-          <p:cNvPr id="3" name="2 Marcador de notas"/>
-          <p:cNvSpPr>
-            <a:spLocks noGrp="1"/>
-          </p:cNvSpPr>
-          <p:nvPr>
-            <p:ph type="body" idx="1"/>
-          </p:nvPr>
-        </p:nvSpPr>
-        <p:spPr/>
-        <p:txBody>
-          <a:bodyPr/>
-          <a:lstStyle/>
-          <a:p>
-            <a:endParaRPr lang="es-PE"/>
-          </a:p>
-        </p:txBody>
-      </p:sp>
-      <p:sp>
-        <p:nvSpPr>
-          <p:cNvPr id="4" name="3 Marcador de número de diapositiva"/>
-          <p:cNvSpPr>
-            <a:spLocks noGrp="1"/>
-          </p:cNvSpPr>
-          <p:nvPr>
-            <p:ph type="sldNum" sz="quarter" idx="10"/>
-          </p:nvPr>
-        </p:nvSpPr>
-        <p:spPr/>
-        <p:txBody>
-          <a:bodyPr/>
-          <a:lstStyle/>
-          <a:p>
-            <a:fld id="{96DE5A63-0F1F-4DC0-ADE0-CC17EBA6F230}" type="slidenum">
-              <a:rPr lang="es-PE" smtClean="0"/>
-              <a:t>5</a:t>
-            </a:fld>
-            <a:endParaRPr lang="es-PE"/>
-          </a:p>
-        </p:txBody>
-      </p:sp>
-    </p:spTree>
-    <p:extLst>
-      <p:ext uri="{BB962C8B-B14F-4D97-AF65-F5344CB8AC3E}">
-        <p14:creationId xmlns:p14="http://schemas.microsoft.com/office/powerpoint/2010/main" val="3614550747"/>
-      </p:ext>
-    </p:extLst>
-  </p:cSld>
-  <p:clrMapOvr>
-    <a:masterClrMapping/>
-  </p:clrMapOvr>
-</p:notes>
-</file>
-
 <file path=ppt/slideLayouts/slideLayout1.xml><?xml version="1.0" encoding="utf-8"?>
 <p:sldLayout xmlns:a="http://schemas.openxmlformats.org/drawingml/2006/main" xmlns:r="http://schemas.openxmlformats.org/officeDocument/2006/relationships" xmlns:p="http://schemas.openxmlformats.org/presentationml/2006/main" type="title" preserve="1">
   <p:cSld name="Diapositiva de título">
@@ -818,7 +733,7 @@
           <a:p>
             <a:fld id="{62334B95-5CE3-4ACB-A41B-BD8C6E6E5ECF}" type="datetimeFigureOut">
               <a:rPr lang="es-PE" smtClean="0"/>
-              <a:t>04/06/2012</a:t>
+              <a:t>01/11/2012</a:t>
             </a:fld>
             <a:endParaRPr lang="es-PE"/>
           </a:p>
@@ -995,7 +910,7 @@
           <a:p>
             <a:fld id="{62334B95-5CE3-4ACB-A41B-BD8C6E6E5ECF}" type="datetimeFigureOut">
               <a:rPr lang="es-PE" smtClean="0"/>
-              <a:t>04/06/2012</a:t>
+              <a:t>01/11/2012</a:t>
             </a:fld>
             <a:endParaRPr lang="es-PE"/>
           </a:p>
@@ -1182,7 +1097,7 @@
           <a:p>
             <a:fld id="{62334B95-5CE3-4ACB-A41B-BD8C6E6E5ECF}" type="datetimeFigureOut">
               <a:rPr lang="es-PE" smtClean="0"/>
-              <a:t>04/06/2012</a:t>
+              <a:t>01/11/2012</a:t>
             </a:fld>
             <a:endParaRPr lang="es-PE"/>
           </a:p>
@@ -1359,7 +1274,7 @@
           <a:p>
             <a:fld id="{62334B95-5CE3-4ACB-A41B-BD8C6E6E5ECF}" type="datetimeFigureOut">
               <a:rPr lang="es-PE" smtClean="0"/>
-              <a:t>04/06/2012</a:t>
+              <a:t>01/11/2012</a:t>
             </a:fld>
             <a:endParaRPr lang="es-PE"/>
           </a:p>
@@ -1612,7 +1527,7 @@
           <a:p>
             <a:fld id="{62334B95-5CE3-4ACB-A41B-BD8C6E6E5ECF}" type="datetimeFigureOut">
               <a:rPr lang="es-PE" smtClean="0"/>
-              <a:t>04/06/2012</a:t>
+              <a:t>01/11/2012</a:t>
             </a:fld>
             <a:endParaRPr lang="es-PE"/>
           </a:p>
@@ -1907,7 +1822,7 @@
           <a:p>
             <a:fld id="{62334B95-5CE3-4ACB-A41B-BD8C6E6E5ECF}" type="datetimeFigureOut">
               <a:rPr lang="es-PE" smtClean="0"/>
-              <a:t>04/06/2012</a:t>
+              <a:t>01/11/2012</a:t>
             </a:fld>
             <a:endParaRPr lang="es-PE"/>
           </a:p>
@@ -2336,7 +2251,7 @@
           <a:p>
             <a:fld id="{62334B95-5CE3-4ACB-A41B-BD8C6E6E5ECF}" type="datetimeFigureOut">
               <a:rPr lang="es-PE" smtClean="0"/>
-              <a:t>04/06/2012</a:t>
+              <a:t>01/11/2012</a:t>
             </a:fld>
             <a:endParaRPr lang="es-PE"/>
           </a:p>
@@ -2461,7 +2376,7 @@
           <a:p>
             <a:fld id="{62334B95-5CE3-4ACB-A41B-BD8C6E6E5ECF}" type="datetimeFigureOut">
               <a:rPr lang="es-PE" smtClean="0"/>
-              <a:t>04/06/2012</a:t>
+              <a:t>01/11/2012</a:t>
             </a:fld>
             <a:endParaRPr lang="es-PE"/>
           </a:p>
@@ -2563,7 +2478,7 @@
           <a:p>
             <a:fld id="{62334B95-5CE3-4ACB-A41B-BD8C6E6E5ECF}" type="datetimeFigureOut">
               <a:rPr lang="es-PE" smtClean="0"/>
-              <a:t>04/06/2012</a:t>
+              <a:t>01/11/2012</a:t>
             </a:fld>
             <a:endParaRPr lang="es-PE"/>
           </a:p>
@@ -2847,7 +2762,7 @@
           <a:p>
             <a:fld id="{62334B95-5CE3-4ACB-A41B-BD8C6E6E5ECF}" type="datetimeFigureOut">
               <a:rPr lang="es-PE" smtClean="0"/>
-              <a:t>04/06/2012</a:t>
+              <a:t>01/11/2012</a:t>
             </a:fld>
             <a:endParaRPr lang="es-PE"/>
           </a:p>
@@ -3114,7 +3029,7 @@
           <a:p>
             <a:fld id="{62334B95-5CE3-4ACB-A41B-BD8C6E6E5ECF}" type="datetimeFigureOut">
               <a:rPr lang="es-PE" smtClean="0"/>
-              <a:t>04/06/2012</a:t>
+              <a:t>01/11/2012</a:t>
             </a:fld>
             <a:endParaRPr lang="es-PE"/>
           </a:p>
@@ -3359,7 +3274,7 @@
           <a:p>
             <a:fld id="{62334B95-5CE3-4ACB-A41B-BD8C6E6E5ECF}" type="datetimeFigureOut">
               <a:rPr lang="es-PE" smtClean="0"/>
-              <a:t>04/06/2012</a:t>
+              <a:t>01/11/2012</a:t>
             </a:fld>
             <a:endParaRPr lang="es-PE"/>
           </a:p>
@@ -5130,370 +5045,6 @@
 </file>
 
 <file path=ppt/slides/slide5.xml><?xml version="1.0" encoding="utf-8"?>
-<p:sld xmlns:a="http://schemas.openxmlformats.org/drawingml/2006/main" xmlns:r="http://schemas.openxmlformats.org/officeDocument/2006/relationships" xmlns:p="http://schemas.openxmlformats.org/presentationml/2006/main">
-  <p:cSld>
-    <p:spTree>
-      <p:nvGrpSpPr>
-        <p:cNvPr id="1" name=""/>
-        <p:cNvGrpSpPr/>
-        <p:nvPr/>
-      </p:nvGrpSpPr>
-      <p:grpSpPr>
-        <a:xfrm>
-          <a:off x="0" y="0"/>
-          <a:ext cx="0" cy="0"/>
-          <a:chOff x="0" y="0"/>
-          <a:chExt cx="0" cy="0"/>
-        </a:xfrm>
-      </p:grpSpPr>
-      <p:sp>
-        <p:nvSpPr>
-          <p:cNvPr id="36" name="1 Título"/>
-          <p:cNvSpPr>
-            <a:spLocks noGrp="1"/>
-          </p:cNvSpPr>
-          <p:nvPr>
-            <p:ph type="title"/>
-          </p:nvPr>
-        </p:nvSpPr>
-        <p:spPr>
-          <a:xfrm>
-            <a:off x="467544" y="216350"/>
-            <a:ext cx="8229600" cy="720080"/>
-          </a:xfrm>
-        </p:spPr>
-        <p:txBody>
-          <a:bodyPr>
-            <a:normAutofit fontScale="90000"/>
-          </a:bodyPr>
-          <a:lstStyle/>
-          <a:p>
-            <a:r>
-              <a:rPr lang="es-PE" dirty="0" smtClean="0">
-                <a:solidFill>
-                  <a:srgbClr val="C00000"/>
-                </a:solidFill>
-                <a:latin typeface="Arial" pitchFamily="34" charset="0"/>
-                <a:cs typeface="Arial" pitchFamily="34" charset="0"/>
-              </a:rPr>
-              <a:t>¿ Porqué es </a:t>
-            </a:r>
-            <a:r>
-              <a:rPr lang="es-PE" dirty="0" err="1" smtClean="0">
-                <a:solidFill>
-                  <a:srgbClr val="C00000"/>
-                </a:solidFill>
-                <a:latin typeface="Arial" pitchFamily="34" charset="0"/>
-                <a:cs typeface="Arial" pitchFamily="34" charset="0"/>
-              </a:rPr>
-              <a:t>imporante</a:t>
-            </a:r>
-            <a:r>
-              <a:rPr lang="es-PE" dirty="0" smtClean="0">
-                <a:solidFill>
-                  <a:srgbClr val="C00000"/>
-                </a:solidFill>
-                <a:latin typeface="Arial" pitchFamily="34" charset="0"/>
-                <a:cs typeface="Arial" pitchFamily="34" charset="0"/>
-              </a:rPr>
-              <a:t> ?</a:t>
-            </a:r>
-            <a:endParaRPr lang="es-PE" dirty="0">
-              <a:solidFill>
-                <a:srgbClr val="C00000"/>
-              </a:solidFill>
-              <a:latin typeface="Arial" pitchFamily="34" charset="0"/>
-              <a:cs typeface="Arial" pitchFamily="34" charset="0"/>
-            </a:endParaRPr>
-          </a:p>
-        </p:txBody>
-      </p:sp>
-      <p:sp>
-        <p:nvSpPr>
-          <p:cNvPr id="41" name="2 Marcador de contenido"/>
-          <p:cNvSpPr>
-            <a:spLocks noGrp="1"/>
-          </p:cNvSpPr>
-          <p:nvPr>
-            <p:ph idx="1"/>
-          </p:nvPr>
-        </p:nvSpPr>
-        <p:spPr>
-          <a:xfrm>
-            <a:off x="923849" y="2248275"/>
-            <a:ext cx="7752607" cy="3268957"/>
-          </a:xfrm>
-        </p:spPr>
-        <p:txBody>
-          <a:bodyPr>
-            <a:normAutofit fontScale="92500"/>
-          </a:bodyPr>
-          <a:lstStyle/>
-          <a:p>
-            <a:pPr>
-              <a:lnSpc>
-                <a:spcPts val="4500"/>
-              </a:lnSpc>
-              <a:buSzPct val="150000"/>
-              <a:buFont typeface="Arial" pitchFamily="34" charset="0"/>
-              <a:buChar char="•"/>
-            </a:pPr>
-            <a:r>
-              <a:rPr lang="es-PE" sz="2800" dirty="0">
-                <a:solidFill>
-                  <a:schemeClr val="bg1">
-                    <a:lumMod val="95000"/>
-                    <a:lumOff val="5000"/>
-                  </a:schemeClr>
-                </a:solidFill>
-                <a:latin typeface="Arial" pitchFamily="34" charset="0"/>
-                <a:cs typeface="Arial" pitchFamily="34" charset="0"/>
-              </a:rPr>
-              <a:t>Buena experiencia de usuario</a:t>
-            </a:r>
-            <a:r>
-              <a:rPr lang="es-PE" sz="2800" dirty="0" smtClean="0">
-                <a:solidFill>
-                  <a:schemeClr val="bg1">
-                    <a:lumMod val="95000"/>
-                    <a:lumOff val="5000"/>
-                  </a:schemeClr>
-                </a:solidFill>
-                <a:latin typeface="Arial" pitchFamily="34" charset="0"/>
-                <a:cs typeface="Arial" pitchFamily="34" charset="0"/>
-              </a:rPr>
-              <a:t>.</a:t>
-            </a:r>
-            <a:endParaRPr lang="es-PE" sz="2800" dirty="0">
-              <a:solidFill>
-                <a:schemeClr val="bg1">
-                  <a:lumMod val="95000"/>
-                  <a:lumOff val="5000"/>
-                </a:schemeClr>
-              </a:solidFill>
-              <a:latin typeface="Arial" pitchFamily="34" charset="0"/>
-              <a:cs typeface="Arial" pitchFamily="34" charset="0"/>
-            </a:endParaRPr>
-          </a:p>
-          <a:p>
-            <a:pPr>
-              <a:lnSpc>
-                <a:spcPts val="4500"/>
-              </a:lnSpc>
-              <a:buSzPct val="150000"/>
-              <a:buFont typeface="Arial" pitchFamily="34" charset="0"/>
-              <a:buChar char="•"/>
-            </a:pPr>
-            <a:r>
-              <a:rPr lang="es-PE" sz="2800" dirty="0">
-                <a:solidFill>
-                  <a:schemeClr val="bg1">
-                    <a:lumMod val="95000"/>
-                    <a:lumOff val="5000"/>
-                  </a:schemeClr>
-                </a:solidFill>
-                <a:latin typeface="Arial" pitchFamily="34" charset="0"/>
-                <a:cs typeface="Arial" pitchFamily="34" charset="0"/>
-              </a:rPr>
-              <a:t>Reducen la carga en el servidor.</a:t>
-            </a:r>
-          </a:p>
-          <a:p>
-            <a:pPr>
-              <a:lnSpc>
-                <a:spcPts val="4500"/>
-              </a:lnSpc>
-              <a:buSzPct val="150000"/>
-              <a:buFont typeface="Arial" pitchFamily="34" charset="0"/>
-              <a:buChar char="•"/>
-            </a:pPr>
-            <a:r>
-              <a:rPr lang="es-PE" sz="2800" dirty="0">
-                <a:solidFill>
-                  <a:schemeClr val="bg1">
-                    <a:lumMod val="95000"/>
-                    <a:lumOff val="5000"/>
-                  </a:schemeClr>
-                </a:solidFill>
-                <a:latin typeface="Arial" pitchFamily="34" charset="0"/>
-                <a:cs typeface="Arial" pitchFamily="34" charset="0"/>
-              </a:rPr>
-              <a:t>Similares a las aplicaciones nativas.</a:t>
-            </a:r>
-          </a:p>
-          <a:p>
-            <a:pPr>
-              <a:lnSpc>
-                <a:spcPts val="4500"/>
-              </a:lnSpc>
-              <a:buSzPct val="150000"/>
-              <a:buFont typeface="Arial" pitchFamily="34" charset="0"/>
-              <a:buChar char="•"/>
-            </a:pPr>
-            <a:r>
-              <a:rPr lang="es-PE" sz="2800" dirty="0">
-                <a:solidFill>
-                  <a:schemeClr val="bg1">
-                    <a:lumMod val="95000"/>
-                    <a:lumOff val="5000"/>
-                  </a:schemeClr>
-                </a:solidFill>
-                <a:latin typeface="Arial" pitchFamily="34" charset="0"/>
-                <a:cs typeface="Arial" pitchFamily="34" charset="0"/>
-              </a:rPr>
-              <a:t>Pueden trabajar offline.</a:t>
-            </a:r>
-          </a:p>
-          <a:p>
-            <a:pPr>
-              <a:lnSpc>
-                <a:spcPts val="4500"/>
-              </a:lnSpc>
-              <a:buSzPct val="150000"/>
-              <a:buFont typeface="Arial" pitchFamily="34" charset="0"/>
-              <a:buChar char="•"/>
-            </a:pPr>
-            <a:r>
-              <a:rPr lang="es-PE" sz="2800" dirty="0">
-                <a:solidFill>
-                  <a:schemeClr val="bg1">
-                    <a:lumMod val="95000"/>
-                    <a:lumOff val="5000"/>
-                  </a:schemeClr>
-                </a:solidFill>
-                <a:latin typeface="Arial" pitchFamily="34" charset="0"/>
-                <a:cs typeface="Arial" pitchFamily="34" charset="0"/>
-              </a:rPr>
-              <a:t>Pueden desplegarse en </a:t>
-            </a:r>
-            <a:r>
-              <a:rPr lang="es-PE" sz="2800" dirty="0" smtClean="0">
-                <a:solidFill>
-                  <a:schemeClr val="bg1">
-                    <a:lumMod val="95000"/>
-                    <a:lumOff val="5000"/>
-                  </a:schemeClr>
-                </a:solidFill>
-                <a:latin typeface="Arial" pitchFamily="34" charset="0"/>
-                <a:cs typeface="Arial" pitchFamily="34" charset="0"/>
-              </a:rPr>
-              <a:t>App-</a:t>
-            </a:r>
-            <a:r>
-              <a:rPr lang="es-PE" sz="2800" dirty="0" err="1" smtClean="0">
-                <a:solidFill>
-                  <a:schemeClr val="bg1">
-                    <a:lumMod val="95000"/>
-                    <a:lumOff val="5000"/>
-                  </a:schemeClr>
-                </a:solidFill>
-                <a:latin typeface="Arial" pitchFamily="34" charset="0"/>
-                <a:cs typeface="Arial" pitchFamily="34" charset="0"/>
-              </a:rPr>
-              <a:t>Stores</a:t>
-            </a:r>
-            <a:r>
-              <a:rPr lang="es-PE" sz="2800" dirty="0" smtClean="0">
-                <a:solidFill>
-                  <a:schemeClr val="bg1">
-                    <a:lumMod val="95000"/>
-                    <a:lumOff val="5000"/>
-                  </a:schemeClr>
-                </a:solidFill>
-                <a:latin typeface="Arial" pitchFamily="34" charset="0"/>
-                <a:cs typeface="Arial" pitchFamily="34" charset="0"/>
-              </a:rPr>
-              <a:t>.</a:t>
-            </a:r>
-            <a:endParaRPr lang="es-PE" sz="2800" dirty="0">
-              <a:solidFill>
-                <a:schemeClr val="bg1">
-                  <a:lumMod val="95000"/>
-                  <a:lumOff val="5000"/>
-                </a:schemeClr>
-              </a:solidFill>
-              <a:latin typeface="Arial" pitchFamily="34" charset="0"/>
-              <a:cs typeface="Arial" pitchFamily="34" charset="0"/>
-            </a:endParaRPr>
-          </a:p>
-        </p:txBody>
-      </p:sp>
-      <p:sp>
-        <p:nvSpPr>
-          <p:cNvPr id="3" name="2 CuadroTexto"/>
-          <p:cNvSpPr txBox="1"/>
-          <p:nvPr/>
-        </p:nvSpPr>
-        <p:spPr>
-          <a:xfrm>
-            <a:off x="927770" y="977995"/>
-            <a:ext cx="7292381" cy="461665"/>
-          </a:xfrm>
-          <a:prstGeom prst="rect">
-            <a:avLst/>
-          </a:prstGeom>
-          <a:noFill/>
-        </p:spPr>
-        <p:txBody>
-          <a:bodyPr wrap="none" rtlCol="0">
-            <a:spAutoFit/>
-          </a:bodyPr>
-          <a:lstStyle/>
-          <a:p>
-            <a:pPr algn="ctr"/>
-            <a:r>
-              <a:rPr lang="es-PE" sz="2400" dirty="0" smtClean="0">
-                <a:solidFill>
-                  <a:schemeClr val="tx1">
-                    <a:lumMod val="50000"/>
-                  </a:schemeClr>
-                </a:solidFill>
-                <a:latin typeface="Arial" pitchFamily="34" charset="0"/>
-                <a:cs typeface="Arial" pitchFamily="34" charset="0"/>
-              </a:rPr>
-              <a:t>Porqué debería considerar este tipo de aplicaciones</a:t>
-            </a:r>
-            <a:endParaRPr lang="es-PE" sz="2400" dirty="0">
-              <a:solidFill>
-                <a:schemeClr val="tx1">
-                  <a:lumMod val="50000"/>
-                </a:schemeClr>
-              </a:solidFill>
-              <a:latin typeface="Arial" pitchFamily="34" charset="0"/>
-              <a:cs typeface="Arial" pitchFamily="34" charset="0"/>
-            </a:endParaRPr>
-          </a:p>
-        </p:txBody>
-      </p:sp>
-    </p:spTree>
-    <p:extLst>
-      <p:ext uri="{BB962C8B-B14F-4D97-AF65-F5344CB8AC3E}">
-        <p14:creationId xmlns:p14="http://schemas.microsoft.com/office/powerpoint/2010/main" val="357000692"/>
-      </p:ext>
-    </p:extLst>
-  </p:cSld>
-  <p:clrMapOvr>
-    <a:masterClrMapping/>
-  </p:clrMapOvr>
-  <mc:AlternateContent xmlns:mc="http://schemas.openxmlformats.org/markup-compatibility/2006" xmlns:p14="http://schemas.microsoft.com/office/powerpoint/2010/main">
-    <mc:Choice Requires="p14">
-      <p:transition p14:dur="0"/>
-    </mc:Choice>
-    <mc:Fallback xmlns="">
-      <p:transition/>
-    </mc:Fallback>
-  </mc:AlternateContent>
-  <p:timing>
-    <p:tnLst>
-      <p:par>
-        <p:cTn id="1" dur="indefinite" restart="never" nodeType="tmRoot"/>
-      </p:par>
-    </p:tnLst>
-  </p:timing>
-</p:sld>
-</file>
-
-<file path=ppt/slides/slide6.xml><?xml version="1.0" encoding="utf-8"?>
 <p:sld xmlns:a="http://schemas.openxmlformats.org/drawingml/2006/main" xmlns:r="http://schemas.openxmlformats.org/officeDocument/2006/relationships" xmlns:p="http://schemas.openxmlformats.org/presentationml/2006/main">
   <p:cSld>
     <p:spTree>
